--- a/Ansible-Demo-Presentation.pptx
+++ b/Ansible-Demo-Presentation.pptx
@@ -113,6 +113,11 @@
       </a:defRPr>
     </a:lvl9pPr>
   </p:defaultTextStyle>
+  <p:extLst>
+    <p:ext uri="{EFAFB233-063F-42B5-8137-9DF3F51BA10A}">
+      <p15:sldGuideLst xmlns:p15="http://schemas.microsoft.com/office/powerpoint/2012/main"/>
+    </p:ext>
+  </p:extLst>
 </p:presentation>
 </file>
 
@@ -3344,6 +3349,151 @@
           </a:p>
         </p:txBody>
       </p:sp>
+      <p:pic>
+        <p:nvPicPr>
+          <p:cNvPr id="7" name="Picture 6"/>
+          <p:cNvPicPr>
+            <a:picLocks noChangeAspect="1"/>
+          </p:cNvPicPr>
+          <p:nvPr/>
+        </p:nvPicPr>
+        <p:blipFill>
+          <a:blip r:embed="rId2"/>
+          <a:stretch>
+            <a:fillRect/>
+          </a:stretch>
+        </p:blipFill>
+        <p:spPr>
+          <a:xfrm>
+            <a:off x="5437187" y="384175"/>
+            <a:ext cx="1317626" cy="1317626"/>
+          </a:xfrm>
+          <a:prstGeom prst="rect">
+            <a:avLst/>
+          </a:prstGeom>
+        </p:spPr>
+      </p:pic>
+      <p:pic>
+        <p:nvPicPr>
+          <p:cNvPr id="1032" name="Picture 8" descr="The Top 7: How To Reduce Manufacturing Human Error - Learnaboutgmp:  Accredited Online Life Science Training Courses"/>
+          <p:cNvPicPr>
+            <a:picLocks noChangeAspect="1" noChangeArrowheads="1"/>
+          </p:cNvPicPr>
+          <p:nvPr/>
+        </p:nvPicPr>
+        <p:blipFill>
+          <a:blip r:embed="rId3" cstate="print">
+            <a:extLst>
+              <a:ext uri="{28A0092B-C50C-407E-A947-70E740481C1C}">
+                <a14:useLocalDpi xmlns:a14="http://schemas.microsoft.com/office/drawing/2010/main" val="0"/>
+              </a:ext>
+            </a:extLst>
+          </a:blip>
+          <a:srcRect/>
+          <a:stretch>
+            <a:fillRect/>
+          </a:stretch>
+        </p:blipFill>
+        <p:spPr bwMode="auto">
+          <a:xfrm>
+            <a:off x="5437187" y="2765171"/>
+            <a:ext cx="2418686" cy="1603630"/>
+          </a:xfrm>
+          <a:prstGeom prst="rect">
+            <a:avLst/>
+          </a:prstGeom>
+          <a:noFill/>
+          <a:extLst>
+            <a:ext uri="{909E8E84-426E-40DD-AFC4-6F175D3DCCD1}">
+              <a14:hiddenFill xmlns:a14="http://schemas.microsoft.com/office/drawing/2010/main">
+                <a:solidFill>
+                  <a:srgbClr val="FFFFFF"/>
+                </a:solidFill>
+              </a14:hiddenFill>
+            </a:ext>
+          </a:extLst>
+        </p:spPr>
+      </p:pic>
+      <p:pic>
+        <p:nvPicPr>
+          <p:cNvPr id="1034" name="Picture 10" descr="Efficiency: Getting Rid of Time Consuming Tasks - Realty Leadership"/>
+          <p:cNvPicPr>
+            <a:picLocks noChangeAspect="1" noChangeArrowheads="1"/>
+          </p:cNvPicPr>
+          <p:nvPr/>
+        </p:nvPicPr>
+        <p:blipFill rotWithShape="1">
+          <a:blip r:embed="rId4">
+            <a:extLst>
+              <a:ext uri="{28A0092B-C50C-407E-A947-70E740481C1C}">
+                <a14:useLocalDpi xmlns:a14="http://schemas.microsoft.com/office/drawing/2010/main" val="0"/>
+              </a:ext>
+            </a:extLst>
+          </a:blip>
+          <a:srcRect l="9095" t="10769" r="32429" b="16557"/>
+          <a:stretch/>
+        </p:blipFill>
+        <p:spPr bwMode="auto">
+          <a:xfrm>
+            <a:off x="8039100" y="3640392"/>
+            <a:ext cx="2159000" cy="1744078"/>
+          </a:xfrm>
+          <a:prstGeom prst="rect">
+            <a:avLst/>
+          </a:prstGeom>
+          <a:noFill/>
+          <a:extLst>
+            <a:ext uri="{909E8E84-426E-40DD-AFC4-6F175D3DCCD1}">
+              <a14:hiddenFill xmlns:a14="http://schemas.microsoft.com/office/drawing/2010/main">
+                <a:solidFill>
+                  <a:srgbClr val="FFFFFF"/>
+                </a:solidFill>
+              </a14:hiddenFill>
+            </a:ext>
+          </a:extLst>
+        </p:spPr>
+      </p:pic>
+      <p:pic>
+        <p:nvPicPr>
+          <p:cNvPr id="1036" name="Picture 12" descr="Why is Documentation Extremely Important for Developers? | Segue  Technologies"/>
+          <p:cNvPicPr>
+            <a:picLocks noChangeAspect="1" noChangeArrowheads="1"/>
+          </p:cNvPicPr>
+          <p:nvPr/>
+        </p:nvPicPr>
+        <p:blipFill>
+          <a:blip r:embed="rId5">
+            <a:extLst>
+              <a:ext uri="{28A0092B-C50C-407E-A947-70E740481C1C}">
+                <a14:useLocalDpi xmlns:a14="http://schemas.microsoft.com/office/drawing/2010/main" val="0"/>
+              </a:ext>
+            </a:extLst>
+          </a:blip>
+          <a:srcRect/>
+          <a:stretch>
+            <a:fillRect/>
+          </a:stretch>
+        </p:blipFill>
+        <p:spPr bwMode="auto">
+          <a:xfrm>
+            <a:off x="3964449" y="5257487"/>
+            <a:ext cx="1725151" cy="1314685"/>
+          </a:xfrm>
+          <a:prstGeom prst="rect">
+            <a:avLst/>
+          </a:prstGeom>
+          <a:noFill/>
+          <a:extLst>
+            <a:ext uri="{909E8E84-426E-40DD-AFC4-6F175D3DCCD1}">
+              <a14:hiddenFill xmlns:a14="http://schemas.microsoft.com/office/drawing/2010/main">
+                <a:solidFill>
+                  <a:srgbClr val="FFFFFF"/>
+                </a:solidFill>
+              </a14:hiddenFill>
+            </a:ext>
+          </a:extLst>
+        </p:spPr>
+      </p:pic>
     </p:spTree>
     <p:extLst>
       <p:ext uri="{BB962C8B-B14F-4D97-AF65-F5344CB8AC3E}">
